--- a/slide8-4.pptx
+++ b/slide8-4.pptx
@@ -208,7 +208,7 @@
           <a:p>
             <a:fld id="{E60E9244-D9A2-4948-A8B9-545C195C42FF}" type="datetimeFigureOut">
               <a:rPr lang="ar-MA" smtClean="0"/>
-              <a:t>04-12-1442</a:t>
+              <a:t>09-12-1442</a:t>
             </a:fld>
             <a:endParaRPr lang="ar-MA"/>
           </a:p>
@@ -746,7 +746,7 @@
           <a:p>
             <a:fld id="{36F6A27C-E2F9-C140-AA96-063441F5E1DC}" type="datetimeFigureOut">
               <a:rPr lang="fr-FR" smtClean="0"/>
-              <a:t>13/07/2021</a:t>
+              <a:t>18/07/2021</a:t>
             </a:fld>
             <a:endParaRPr lang="fr-FR"/>
           </a:p>
@@ -914,7 +914,7 @@
           <a:p>
             <a:fld id="{36F6A27C-E2F9-C140-AA96-063441F5E1DC}" type="datetimeFigureOut">
               <a:rPr lang="fr-FR" smtClean="0"/>
-              <a:t>13/07/2021</a:t>
+              <a:t>18/07/2021</a:t>
             </a:fld>
             <a:endParaRPr lang="fr-FR"/>
           </a:p>
@@ -1092,7 +1092,7 @@
           <a:p>
             <a:fld id="{36F6A27C-E2F9-C140-AA96-063441F5E1DC}" type="datetimeFigureOut">
               <a:rPr lang="fr-FR" smtClean="0"/>
-              <a:t>13/07/2021</a:t>
+              <a:t>18/07/2021</a:t>
             </a:fld>
             <a:endParaRPr lang="fr-FR"/>
           </a:p>
@@ -1260,7 +1260,7 @@
           <a:p>
             <a:fld id="{36F6A27C-E2F9-C140-AA96-063441F5E1DC}" type="datetimeFigureOut">
               <a:rPr lang="fr-FR" smtClean="0"/>
-              <a:t>13/07/2021</a:t>
+              <a:t>18/07/2021</a:t>
             </a:fld>
             <a:endParaRPr lang="fr-FR"/>
           </a:p>
@@ -1505,7 +1505,7 @@
           <a:p>
             <a:fld id="{36F6A27C-E2F9-C140-AA96-063441F5E1DC}" type="datetimeFigureOut">
               <a:rPr lang="fr-FR" smtClean="0"/>
-              <a:t>13/07/2021</a:t>
+              <a:t>18/07/2021</a:t>
             </a:fld>
             <a:endParaRPr lang="fr-FR"/>
           </a:p>
@@ -1790,7 +1790,7 @@
           <a:p>
             <a:fld id="{36F6A27C-E2F9-C140-AA96-063441F5E1DC}" type="datetimeFigureOut">
               <a:rPr lang="fr-FR" smtClean="0"/>
-              <a:t>13/07/2021</a:t>
+              <a:t>18/07/2021</a:t>
             </a:fld>
             <a:endParaRPr lang="fr-FR"/>
           </a:p>
@@ -2214,7 +2214,7 @@
           <a:p>
             <a:fld id="{36F6A27C-E2F9-C140-AA96-063441F5E1DC}" type="datetimeFigureOut">
               <a:rPr lang="fr-FR" smtClean="0"/>
-              <a:t>13/07/2021</a:t>
+              <a:t>18/07/2021</a:t>
             </a:fld>
             <a:endParaRPr lang="fr-FR"/>
           </a:p>
@@ -2331,7 +2331,7 @@
           <a:p>
             <a:fld id="{36F6A27C-E2F9-C140-AA96-063441F5E1DC}" type="datetimeFigureOut">
               <a:rPr lang="fr-FR" smtClean="0"/>
-              <a:t>13/07/2021</a:t>
+              <a:t>18/07/2021</a:t>
             </a:fld>
             <a:endParaRPr lang="fr-FR"/>
           </a:p>
@@ -2426,7 +2426,7 @@
           <a:p>
             <a:fld id="{36F6A27C-E2F9-C140-AA96-063441F5E1DC}" type="datetimeFigureOut">
               <a:rPr lang="fr-FR" smtClean="0"/>
-              <a:t>13/07/2021</a:t>
+              <a:t>18/07/2021</a:t>
             </a:fld>
             <a:endParaRPr lang="fr-FR"/>
           </a:p>
@@ -2701,7 +2701,7 @@
           <a:p>
             <a:fld id="{36F6A27C-E2F9-C140-AA96-063441F5E1DC}" type="datetimeFigureOut">
               <a:rPr lang="fr-FR" smtClean="0"/>
-              <a:t>13/07/2021</a:t>
+              <a:t>18/07/2021</a:t>
             </a:fld>
             <a:endParaRPr lang="fr-FR"/>
           </a:p>
@@ -2953,7 +2953,7 @@
           <a:p>
             <a:fld id="{36F6A27C-E2F9-C140-AA96-063441F5E1DC}" type="datetimeFigureOut">
               <a:rPr lang="fr-FR" smtClean="0"/>
-              <a:t>13/07/2021</a:t>
+              <a:t>18/07/2021</a:t>
             </a:fld>
             <a:endParaRPr lang="fr-FR"/>
           </a:p>
@@ -3164,7 +3164,7 @@
           <a:p>
             <a:fld id="{36F6A27C-E2F9-C140-AA96-063441F5E1DC}" type="datetimeFigureOut">
               <a:rPr lang="fr-FR" smtClean="0"/>
-              <a:t>13/07/2021</a:t>
+              <a:t>18/07/2021</a:t>
             </a:fld>
             <a:endParaRPr lang="fr-FR"/>
           </a:p>
@@ -5407,7 +5407,7 @@
         </p:nvSpPr>
         <p:spPr bwMode="auto">
           <a:xfrm>
-            <a:off x="205798" y="3639743"/>
+            <a:off x="244663" y="3639743"/>
             <a:ext cx="1825416" cy="1261995"/>
           </a:xfrm>
           <a:prstGeom prst="snip1Rect">
@@ -5419,14 +5419,14 @@
           </a:ln>
           <a:extLst>
             <a:ext uri="{909E8E84-426E-40dd-AFC4-6F175D3DCCD1}">
-              <a14:hiddenFill xmlns:a14="http://schemas.microsoft.com/office/drawing/2010/main" xmlns="">
+              <a14:hiddenFill xmlns="" xmlns:a14="http://schemas.microsoft.com/office/drawing/2010/main">
                 <a:solidFill>
                   <a:srgbClr val="FFFFFF"/>
                 </a:solidFill>
               </a14:hiddenFill>
             </a:ext>
             <a:ext uri="{91240B29-F687-4f45-9708-019B960494DF}">
-              <a14:hiddenLine xmlns:a14="http://schemas.microsoft.com/office/drawing/2010/main" xmlns="" w="6350">
+              <a14:hiddenLine xmlns="" xmlns:a14="http://schemas.microsoft.com/office/drawing/2010/main" w="6350">
                 <a:solidFill>
                   <a:srgbClr val="000000"/>
                 </a:solidFill>
